--- a/рубеж 3/презы/регистр хранения.pptx
+++ b/рубеж 3/презы/регистр хранения.pptx
@@ -114,6 +114,11 @@
       </a:defRPr>
     </a:lvl9pPr>
   </p:defaultTextStyle>
+  <p:extLst>
+    <p:ext uri="{EFAFB233-063F-42B5-8137-9DF3F51BA10A}">
+      <p15:sldGuideLst xmlns:p15="http://schemas.microsoft.com/office/powerpoint/2012/main"/>
+    </p:ext>
+  </p:extLst>
 </p:presentation>
 </file>
 
@@ -248,7 +253,7 @@
           <a:p>
             <a:fld id="{60537E79-6A10-4456-ACD7-D12AD53545C1}" type="datetimeFigureOut">
               <a:rPr lang="ru-RU" smtClean="0"/>
-              <a:t>05.05.2021</a:t>
+              <a:t>08.05.2021</a:t>
             </a:fld>
             <a:endParaRPr lang="ru-RU"/>
           </a:p>
@@ -418,7 +423,7 @@
           <a:p>
             <a:fld id="{60537E79-6A10-4456-ACD7-D12AD53545C1}" type="datetimeFigureOut">
               <a:rPr lang="ru-RU" smtClean="0"/>
-              <a:t>05.05.2021</a:t>
+              <a:t>08.05.2021</a:t>
             </a:fld>
             <a:endParaRPr lang="ru-RU"/>
           </a:p>
@@ -598,7 +603,7 @@
           <a:p>
             <a:fld id="{60537E79-6A10-4456-ACD7-D12AD53545C1}" type="datetimeFigureOut">
               <a:rPr lang="ru-RU" smtClean="0"/>
-              <a:t>05.05.2021</a:t>
+              <a:t>08.05.2021</a:t>
             </a:fld>
             <a:endParaRPr lang="ru-RU"/>
           </a:p>
@@ -768,7 +773,7 @@
           <a:p>
             <a:fld id="{60537E79-6A10-4456-ACD7-D12AD53545C1}" type="datetimeFigureOut">
               <a:rPr lang="ru-RU" smtClean="0"/>
-              <a:t>05.05.2021</a:t>
+              <a:t>08.05.2021</a:t>
             </a:fld>
             <a:endParaRPr lang="ru-RU"/>
           </a:p>
@@ -1014,7 +1019,7 @@
           <a:p>
             <a:fld id="{60537E79-6A10-4456-ACD7-D12AD53545C1}" type="datetimeFigureOut">
               <a:rPr lang="ru-RU" smtClean="0"/>
-              <a:t>05.05.2021</a:t>
+              <a:t>08.05.2021</a:t>
             </a:fld>
             <a:endParaRPr lang="ru-RU"/>
           </a:p>
@@ -1246,7 +1251,7 @@
           <a:p>
             <a:fld id="{60537E79-6A10-4456-ACD7-D12AD53545C1}" type="datetimeFigureOut">
               <a:rPr lang="ru-RU" smtClean="0"/>
-              <a:t>05.05.2021</a:t>
+              <a:t>08.05.2021</a:t>
             </a:fld>
             <a:endParaRPr lang="ru-RU"/>
           </a:p>
@@ -1613,7 +1618,7 @@
           <a:p>
             <a:fld id="{60537E79-6A10-4456-ACD7-D12AD53545C1}" type="datetimeFigureOut">
               <a:rPr lang="ru-RU" smtClean="0"/>
-              <a:t>05.05.2021</a:t>
+              <a:t>08.05.2021</a:t>
             </a:fld>
             <a:endParaRPr lang="ru-RU"/>
           </a:p>
@@ -1731,7 +1736,7 @@
           <a:p>
             <a:fld id="{60537E79-6A10-4456-ACD7-D12AD53545C1}" type="datetimeFigureOut">
               <a:rPr lang="ru-RU" smtClean="0"/>
-              <a:t>05.05.2021</a:t>
+              <a:t>08.05.2021</a:t>
             </a:fld>
             <a:endParaRPr lang="ru-RU"/>
           </a:p>
@@ -1826,7 +1831,7 @@
           <a:p>
             <a:fld id="{60537E79-6A10-4456-ACD7-D12AD53545C1}" type="datetimeFigureOut">
               <a:rPr lang="ru-RU" smtClean="0"/>
-              <a:t>05.05.2021</a:t>
+              <a:t>08.05.2021</a:t>
             </a:fld>
             <a:endParaRPr lang="ru-RU"/>
           </a:p>
@@ -2103,7 +2108,7 @@
           <a:p>
             <a:fld id="{60537E79-6A10-4456-ACD7-D12AD53545C1}" type="datetimeFigureOut">
               <a:rPr lang="ru-RU" smtClean="0"/>
-              <a:t>05.05.2021</a:t>
+              <a:t>08.05.2021</a:t>
             </a:fld>
             <a:endParaRPr lang="ru-RU"/>
           </a:p>
@@ -2356,7 +2361,7 @@
           <a:p>
             <a:fld id="{60537E79-6A10-4456-ACD7-D12AD53545C1}" type="datetimeFigureOut">
               <a:rPr lang="ru-RU" smtClean="0"/>
-              <a:t>05.05.2021</a:t>
+              <a:t>08.05.2021</a:t>
             </a:fld>
             <a:endParaRPr lang="ru-RU"/>
           </a:p>
@@ -2569,7 +2574,7 @@
           <a:p>
             <a:fld id="{60537E79-6A10-4456-ACD7-D12AD53545C1}" type="datetimeFigureOut">
               <a:rPr lang="ru-RU" smtClean="0"/>
-              <a:t>05.05.2021</a:t>
+              <a:t>08.05.2021</a:t>
             </a:fld>
             <a:endParaRPr lang="ru-RU"/>
           </a:p>
@@ -4130,13 +4135,6 @@
               </a:rPr>
               <a:t>дисплей</a:t>
             </a:r>
-            <a:endParaRPr lang="ru-RU" b="1" dirty="0" smtClean="0">
-              <a:solidFill>
-                <a:schemeClr val="accent1">
-                  <a:lumMod val="75000"/>
-                </a:schemeClr>
-              </a:solidFill>
-            </a:endParaRPr>
           </a:p>
         </p:txBody>
       </p:sp>

--- a/рубеж 3/презы/регистр хранения.pptx
+++ b/рубеж 3/презы/регистр хранения.pptx
@@ -253,7 +253,7 @@
           <a:p>
             <a:fld id="{60537E79-6A10-4456-ACD7-D12AD53545C1}" type="datetimeFigureOut">
               <a:rPr lang="ru-RU" smtClean="0"/>
-              <a:t>08.05.2021</a:t>
+              <a:t>09.05.2021</a:t>
             </a:fld>
             <a:endParaRPr lang="ru-RU"/>
           </a:p>
@@ -423,7 +423,7 @@
           <a:p>
             <a:fld id="{60537E79-6A10-4456-ACD7-D12AD53545C1}" type="datetimeFigureOut">
               <a:rPr lang="ru-RU" smtClean="0"/>
-              <a:t>08.05.2021</a:t>
+              <a:t>09.05.2021</a:t>
             </a:fld>
             <a:endParaRPr lang="ru-RU"/>
           </a:p>
@@ -603,7 +603,7 @@
           <a:p>
             <a:fld id="{60537E79-6A10-4456-ACD7-D12AD53545C1}" type="datetimeFigureOut">
               <a:rPr lang="ru-RU" smtClean="0"/>
-              <a:t>08.05.2021</a:t>
+              <a:t>09.05.2021</a:t>
             </a:fld>
             <a:endParaRPr lang="ru-RU"/>
           </a:p>
@@ -773,7 +773,7 @@
           <a:p>
             <a:fld id="{60537E79-6A10-4456-ACD7-D12AD53545C1}" type="datetimeFigureOut">
               <a:rPr lang="ru-RU" smtClean="0"/>
-              <a:t>08.05.2021</a:t>
+              <a:t>09.05.2021</a:t>
             </a:fld>
             <a:endParaRPr lang="ru-RU"/>
           </a:p>
@@ -1019,7 +1019,7 @@
           <a:p>
             <a:fld id="{60537E79-6A10-4456-ACD7-D12AD53545C1}" type="datetimeFigureOut">
               <a:rPr lang="ru-RU" smtClean="0"/>
-              <a:t>08.05.2021</a:t>
+              <a:t>09.05.2021</a:t>
             </a:fld>
             <a:endParaRPr lang="ru-RU"/>
           </a:p>
@@ -1251,7 +1251,7 @@
           <a:p>
             <a:fld id="{60537E79-6A10-4456-ACD7-D12AD53545C1}" type="datetimeFigureOut">
               <a:rPr lang="ru-RU" smtClean="0"/>
-              <a:t>08.05.2021</a:t>
+              <a:t>09.05.2021</a:t>
             </a:fld>
             <a:endParaRPr lang="ru-RU"/>
           </a:p>
@@ -1618,7 +1618,7 @@
           <a:p>
             <a:fld id="{60537E79-6A10-4456-ACD7-D12AD53545C1}" type="datetimeFigureOut">
               <a:rPr lang="ru-RU" smtClean="0"/>
-              <a:t>08.05.2021</a:t>
+              <a:t>09.05.2021</a:t>
             </a:fld>
             <a:endParaRPr lang="ru-RU"/>
           </a:p>
@@ -1736,7 +1736,7 @@
           <a:p>
             <a:fld id="{60537E79-6A10-4456-ACD7-D12AD53545C1}" type="datetimeFigureOut">
               <a:rPr lang="ru-RU" smtClean="0"/>
-              <a:t>08.05.2021</a:t>
+              <a:t>09.05.2021</a:t>
             </a:fld>
             <a:endParaRPr lang="ru-RU"/>
           </a:p>
@@ -1831,7 +1831,7 @@
           <a:p>
             <a:fld id="{60537E79-6A10-4456-ACD7-D12AD53545C1}" type="datetimeFigureOut">
               <a:rPr lang="ru-RU" smtClean="0"/>
-              <a:t>08.05.2021</a:t>
+              <a:t>09.05.2021</a:t>
             </a:fld>
             <a:endParaRPr lang="ru-RU"/>
           </a:p>
@@ -2108,7 +2108,7 @@
           <a:p>
             <a:fld id="{60537E79-6A10-4456-ACD7-D12AD53545C1}" type="datetimeFigureOut">
               <a:rPr lang="ru-RU" smtClean="0"/>
-              <a:t>08.05.2021</a:t>
+              <a:t>09.05.2021</a:t>
             </a:fld>
             <a:endParaRPr lang="ru-RU"/>
           </a:p>
@@ -2361,7 +2361,7 @@
           <a:p>
             <a:fld id="{60537E79-6A10-4456-ACD7-D12AD53545C1}" type="datetimeFigureOut">
               <a:rPr lang="ru-RU" smtClean="0"/>
-              <a:t>08.05.2021</a:t>
+              <a:t>09.05.2021</a:t>
             </a:fld>
             <a:endParaRPr lang="ru-RU"/>
           </a:p>
@@ -2574,7 +2574,7 @@
           <a:p>
             <a:fld id="{60537E79-6A10-4456-ACD7-D12AD53545C1}" type="datetimeFigureOut">
               <a:rPr lang="ru-RU" smtClean="0"/>
-              <a:t>08.05.2021</a:t>
+              <a:t>09.05.2021</a:t>
             </a:fld>
             <a:endParaRPr lang="ru-RU"/>
           </a:p>
